--- a/P7_06_presentation.pptx
+++ b/P7_06_presentation.pptx
@@ -9808,7 +9808,7 @@
           <a:p>
             <a:fld id="{EF4A5CA5-0BE1-48AC-883A-9FCF3BD2ACF3}" type="datetimeFigureOut">
               <a:rPr lang="fr-FR" smtClean="0"/>
-              <a:t>12/08/2021</a:t>
+              <a:t>13/08/2021</a:t>
             </a:fld>
             <a:endParaRPr lang="fr-FR"/>
           </a:p>
@@ -13103,7 +13103,7 @@
           <a:p>
             <a:fld id="{BFE9F617-0D9F-4290-88B0-73CC16A979D5}" type="datetime1">
               <a:rPr lang="en-US" smtClean="0"/>
-              <a:t>8/12/2021</a:t>
+              <a:t>8/13/2021</a:t>
             </a:fld>
             <a:endParaRPr lang="en-US"/>
           </a:p>
@@ -13301,7 +13301,7 @@
           <a:p>
             <a:fld id="{F7BC4100-8335-47F6-8B60-D8BF167B31BF}" type="datetime1">
               <a:rPr lang="en-US" smtClean="0"/>
-              <a:t>8/12/2021</a:t>
+              <a:t>8/13/2021</a:t>
             </a:fld>
             <a:endParaRPr lang="en-US"/>
           </a:p>
@@ -13509,7 +13509,7 @@
           <a:p>
             <a:fld id="{B2B30F52-2545-49E9-95C0-FFABB040F8A7}" type="datetime1">
               <a:rPr lang="en-US" smtClean="0"/>
-              <a:t>8/12/2021</a:t>
+              <a:t>8/13/2021</a:t>
             </a:fld>
             <a:endParaRPr lang="en-US"/>
           </a:p>
@@ -13729,7 +13729,7 @@
           <a:p>
             <a:fld id="{40DA1498-92C7-4E4B-8045-C9195F453964}" type="datetimeFigureOut">
               <a:rPr lang="en-US" smtClean="0"/>
-              <a:t>8/12/2021</a:t>
+              <a:t>8/13/2021</a:t>
             </a:fld>
             <a:endParaRPr lang="en-US"/>
           </a:p>
@@ -13927,7 +13927,7 @@
           <a:p>
             <a:fld id="{40DA1498-92C7-4E4B-8045-C9195F453964}" type="datetimeFigureOut">
               <a:rPr lang="en-US" smtClean="0"/>
-              <a:t>8/12/2021</a:t>
+              <a:t>8/13/2021</a:t>
             </a:fld>
             <a:endParaRPr lang="en-US"/>
           </a:p>
@@ -14202,7 +14202,7 @@
           <a:p>
             <a:fld id="{40DA1498-92C7-4E4B-8045-C9195F453964}" type="datetimeFigureOut">
               <a:rPr lang="en-US" smtClean="0"/>
-              <a:t>8/12/2021</a:t>
+              <a:t>8/13/2021</a:t>
             </a:fld>
             <a:endParaRPr lang="en-US"/>
           </a:p>
@@ -14467,7 +14467,7 @@
           <a:p>
             <a:fld id="{40DA1498-92C7-4E4B-8045-C9195F453964}" type="datetimeFigureOut">
               <a:rPr lang="en-US" smtClean="0"/>
-              <a:t>8/12/2021</a:t>
+              <a:t>8/13/2021</a:t>
             </a:fld>
             <a:endParaRPr lang="en-US"/>
           </a:p>
@@ -14879,7 +14879,7 @@
           <a:p>
             <a:fld id="{40DA1498-92C7-4E4B-8045-C9195F453964}" type="datetimeFigureOut">
               <a:rPr lang="en-US" smtClean="0"/>
-              <a:t>8/12/2021</a:t>
+              <a:t>8/13/2021</a:t>
             </a:fld>
             <a:endParaRPr lang="en-US"/>
           </a:p>
@@ -15020,7 +15020,7 @@
           <a:p>
             <a:fld id="{40DA1498-92C7-4E4B-8045-C9195F453964}" type="datetimeFigureOut">
               <a:rPr lang="en-US" smtClean="0"/>
-              <a:t>8/12/2021</a:t>
+              <a:t>8/13/2021</a:t>
             </a:fld>
             <a:endParaRPr lang="en-US"/>
           </a:p>
@@ -15133,7 +15133,7 @@
           <a:p>
             <a:fld id="{40DA1498-92C7-4E4B-8045-C9195F453964}" type="datetimeFigureOut">
               <a:rPr lang="en-US" smtClean="0"/>
-              <a:t>8/12/2021</a:t>
+              <a:t>8/13/2021</a:t>
             </a:fld>
             <a:endParaRPr lang="en-US"/>
           </a:p>
@@ -15444,7 +15444,7 @@
           <a:p>
             <a:fld id="{40DA1498-92C7-4E4B-8045-C9195F453964}" type="datetimeFigureOut">
               <a:rPr lang="en-US" smtClean="0"/>
-              <a:t>8/12/2021</a:t>
+              <a:t>8/13/2021</a:t>
             </a:fld>
             <a:endParaRPr lang="en-US"/>
           </a:p>
@@ -15642,7 +15642,7 @@
           <a:p>
             <a:fld id="{E0B2DC85-5175-48DD-B8BB-E7B5B5C07239}" type="datetime1">
               <a:rPr lang="en-US" smtClean="0"/>
-              <a:t>8/12/2021</a:t>
+              <a:t>8/13/2021</a:t>
             </a:fld>
             <a:endParaRPr lang="en-US"/>
           </a:p>
@@ -15933,7 +15933,7 @@
           <a:p>
             <a:fld id="{40DA1498-92C7-4E4B-8045-C9195F453964}" type="datetimeFigureOut">
               <a:rPr lang="en-US" smtClean="0"/>
-              <a:t>8/12/2021</a:t>
+              <a:t>8/13/2021</a:t>
             </a:fld>
             <a:endParaRPr lang="en-US"/>
           </a:p>
@@ -16131,7 +16131,7 @@
           <a:p>
             <a:fld id="{40DA1498-92C7-4E4B-8045-C9195F453964}" type="datetimeFigureOut">
               <a:rPr lang="en-US" smtClean="0"/>
-              <a:t>8/12/2021</a:t>
+              <a:t>8/13/2021</a:t>
             </a:fld>
             <a:endParaRPr lang="en-US"/>
           </a:p>
@@ -16339,7 +16339,7 @@
           <a:p>
             <a:fld id="{40DA1498-92C7-4E4B-8045-C9195F453964}" type="datetimeFigureOut">
               <a:rPr lang="en-US" smtClean="0"/>
-              <a:t>8/12/2021</a:t>
+              <a:t>8/13/2021</a:t>
             </a:fld>
             <a:endParaRPr lang="en-US"/>
           </a:p>
@@ -16614,7 +16614,7 @@
           <a:p>
             <a:fld id="{5E81E481-CCC4-45B1-84D1-AA0A54F8DB3D}" type="datetime1">
               <a:rPr lang="en-US" smtClean="0"/>
-              <a:t>8/12/2021</a:t>
+              <a:t>8/13/2021</a:t>
             </a:fld>
             <a:endParaRPr lang="en-US"/>
           </a:p>
@@ -16879,7 +16879,7 @@
           <a:p>
             <a:fld id="{631FEC16-DD30-49B2-9014-38F5683D9B21}" type="datetime1">
               <a:rPr lang="en-US" smtClean="0"/>
-              <a:t>8/12/2021</a:t>
+              <a:t>8/13/2021</a:t>
             </a:fld>
             <a:endParaRPr lang="en-US"/>
           </a:p>
@@ -17291,7 +17291,7 @@
           <a:p>
             <a:fld id="{1541E197-3910-4029-B4B6-6C2D670BB1F0}" type="datetime1">
               <a:rPr lang="en-US" smtClean="0"/>
-              <a:t>8/12/2021</a:t>
+              <a:t>8/13/2021</a:t>
             </a:fld>
             <a:endParaRPr lang="en-US"/>
           </a:p>
@@ -17432,7 +17432,7 @@
           <a:p>
             <a:fld id="{A4B1CEC1-3D6D-4EE5-9837-F7EDC36410E7}" type="datetime1">
               <a:rPr lang="en-US" smtClean="0"/>
-              <a:t>8/12/2021</a:t>
+              <a:t>8/13/2021</a:t>
             </a:fld>
             <a:endParaRPr lang="en-US"/>
           </a:p>
@@ -17545,7 +17545,7 @@
           <a:p>
             <a:fld id="{47F56BE4-DF86-488E-B7CF-9B3E7999689B}" type="datetime1">
               <a:rPr lang="en-US" smtClean="0"/>
-              <a:t>8/12/2021</a:t>
+              <a:t>8/13/2021</a:t>
             </a:fld>
             <a:endParaRPr lang="en-US"/>
           </a:p>
@@ -17856,7 +17856,7 @@
           <a:p>
             <a:fld id="{EDDF5628-1154-4202-A213-B0D014732DE1}" type="datetime1">
               <a:rPr lang="en-US" smtClean="0"/>
-              <a:t>8/12/2021</a:t>
+              <a:t>8/13/2021</a:t>
             </a:fld>
             <a:endParaRPr lang="en-US"/>
           </a:p>
@@ -18147,7 +18147,7 @@
           <a:p>
             <a:fld id="{3912F3DE-148B-4902-AA7D-CAD949EF99D7}" type="datetime1">
               <a:rPr lang="en-US" smtClean="0"/>
-              <a:t>8/12/2021</a:t>
+              <a:t>8/13/2021</a:t>
             </a:fld>
             <a:endParaRPr lang="en-US"/>
           </a:p>
@@ -18388,7 +18388,7 @@
           <a:p>
             <a:fld id="{DC5029DA-1439-4716-A5B1-2904813881BA}" type="datetime1">
               <a:rPr lang="en-US" smtClean="0"/>
-              <a:t>8/12/2021</a:t>
+              <a:t>8/13/2021</a:t>
             </a:fld>
             <a:endParaRPr lang="en-US"/>
           </a:p>
@@ -18957,7 +18957,7 @@
           <a:p>
             <a:fld id="{40DA1498-92C7-4E4B-8045-C9195F453964}" type="datetimeFigureOut">
               <a:rPr lang="en-US" smtClean="0"/>
-              <a:t>8/12/2021</a:t>
+              <a:t>8/13/2021</a:t>
             </a:fld>
             <a:endParaRPr lang="en-US"/>
           </a:p>
